--- a/defense/Extra_slides.pptx
+++ b/defense/Extra_slides.pptx
@@ -241,7 +241,7 @@
           <a:p>
             <a:fld id="{9D9501FF-ABFD-4A20-9D6D-E502A59752B5}" type="datetimeFigureOut">
               <a:rPr lang="en-US" smtClean="0"/>
-              <a:t>11/15/2016</a:t>
+              <a:t>11/18/2016</a:t>
             </a:fld>
             <a:endParaRPr lang="en-US"/>
           </a:p>
@@ -409,7 +409,7 @@
           <a:p>
             <a:fld id="{9D9501FF-ABFD-4A20-9D6D-E502A59752B5}" type="datetimeFigureOut">
               <a:rPr lang="en-US" smtClean="0"/>
-              <a:t>11/15/2016</a:t>
+              <a:t>11/18/2016</a:t>
             </a:fld>
             <a:endParaRPr lang="en-US"/>
           </a:p>
@@ -587,7 +587,7 @@
           <a:p>
             <a:fld id="{9D9501FF-ABFD-4A20-9D6D-E502A59752B5}" type="datetimeFigureOut">
               <a:rPr lang="en-US" smtClean="0"/>
-              <a:t>11/15/2016</a:t>
+              <a:t>11/18/2016</a:t>
             </a:fld>
             <a:endParaRPr lang="en-US"/>
           </a:p>
@@ -755,7 +755,7 @@
           <a:p>
             <a:fld id="{9D9501FF-ABFD-4A20-9D6D-E502A59752B5}" type="datetimeFigureOut">
               <a:rPr lang="en-US" smtClean="0"/>
-              <a:t>11/15/2016</a:t>
+              <a:t>11/18/2016</a:t>
             </a:fld>
             <a:endParaRPr lang="en-US"/>
           </a:p>
@@ -1000,7 +1000,7 @@
           <a:p>
             <a:fld id="{9D9501FF-ABFD-4A20-9D6D-E502A59752B5}" type="datetimeFigureOut">
               <a:rPr lang="en-US" smtClean="0"/>
-              <a:t>11/15/2016</a:t>
+              <a:t>11/18/2016</a:t>
             </a:fld>
             <a:endParaRPr lang="en-US"/>
           </a:p>
@@ -1229,7 +1229,7 @@
           <a:p>
             <a:fld id="{9D9501FF-ABFD-4A20-9D6D-E502A59752B5}" type="datetimeFigureOut">
               <a:rPr lang="en-US" smtClean="0"/>
-              <a:t>11/15/2016</a:t>
+              <a:t>11/18/2016</a:t>
             </a:fld>
             <a:endParaRPr lang="en-US"/>
           </a:p>
@@ -1593,7 +1593,7 @@
           <a:p>
             <a:fld id="{9D9501FF-ABFD-4A20-9D6D-E502A59752B5}" type="datetimeFigureOut">
               <a:rPr lang="en-US" smtClean="0"/>
-              <a:t>11/15/2016</a:t>
+              <a:t>11/18/2016</a:t>
             </a:fld>
             <a:endParaRPr lang="en-US"/>
           </a:p>
@@ -1710,7 +1710,7 @@
           <a:p>
             <a:fld id="{9D9501FF-ABFD-4A20-9D6D-E502A59752B5}" type="datetimeFigureOut">
               <a:rPr lang="en-US" smtClean="0"/>
-              <a:t>11/15/2016</a:t>
+              <a:t>11/18/2016</a:t>
             </a:fld>
             <a:endParaRPr lang="en-US"/>
           </a:p>
@@ -1805,7 +1805,7 @@
           <a:p>
             <a:fld id="{9D9501FF-ABFD-4A20-9D6D-E502A59752B5}" type="datetimeFigureOut">
               <a:rPr lang="en-US" smtClean="0"/>
-              <a:t>11/15/2016</a:t>
+              <a:t>11/18/2016</a:t>
             </a:fld>
             <a:endParaRPr lang="en-US"/>
           </a:p>
@@ -2080,7 +2080,7 @@
           <a:p>
             <a:fld id="{9D9501FF-ABFD-4A20-9D6D-E502A59752B5}" type="datetimeFigureOut">
               <a:rPr lang="en-US" smtClean="0"/>
-              <a:t>11/15/2016</a:t>
+              <a:t>11/18/2016</a:t>
             </a:fld>
             <a:endParaRPr lang="en-US"/>
           </a:p>
@@ -2335,7 +2335,7 @@
           <a:p>
             <a:fld id="{9D9501FF-ABFD-4A20-9D6D-E502A59752B5}" type="datetimeFigureOut">
               <a:rPr lang="en-US" smtClean="0"/>
-              <a:t>11/15/2016</a:t>
+              <a:t>11/18/2016</a:t>
             </a:fld>
             <a:endParaRPr lang="en-US"/>
           </a:p>
@@ -2546,7 +2546,7 @@
           <a:p>
             <a:fld id="{9D9501FF-ABFD-4A20-9D6D-E502A59752B5}" type="datetimeFigureOut">
               <a:rPr lang="en-US" smtClean="0"/>
-              <a:t>11/15/2016</a:t>
+              <a:t>11/18/2016</a:t>
             </a:fld>
             <a:endParaRPr lang="en-US"/>
           </a:p>

--- a/defense/Extra_slides.pptx
+++ b/defense/Extra_slides.pptx
@@ -241,7 +241,7 @@
           <a:p>
             <a:fld id="{9D9501FF-ABFD-4A20-9D6D-E502A59752B5}" type="datetimeFigureOut">
               <a:rPr lang="en-US" smtClean="0"/>
-              <a:t>11/18/2016</a:t>
+              <a:t>11/19/2016</a:t>
             </a:fld>
             <a:endParaRPr lang="en-US"/>
           </a:p>
@@ -409,7 +409,7 @@
           <a:p>
             <a:fld id="{9D9501FF-ABFD-4A20-9D6D-E502A59752B5}" type="datetimeFigureOut">
               <a:rPr lang="en-US" smtClean="0"/>
-              <a:t>11/18/2016</a:t>
+              <a:t>11/19/2016</a:t>
             </a:fld>
             <a:endParaRPr lang="en-US"/>
           </a:p>
@@ -587,7 +587,7 @@
           <a:p>
             <a:fld id="{9D9501FF-ABFD-4A20-9D6D-E502A59752B5}" type="datetimeFigureOut">
               <a:rPr lang="en-US" smtClean="0"/>
-              <a:t>11/18/2016</a:t>
+              <a:t>11/19/2016</a:t>
             </a:fld>
             <a:endParaRPr lang="en-US"/>
           </a:p>
@@ -755,7 +755,7 @@
           <a:p>
             <a:fld id="{9D9501FF-ABFD-4A20-9D6D-E502A59752B5}" type="datetimeFigureOut">
               <a:rPr lang="en-US" smtClean="0"/>
-              <a:t>11/18/2016</a:t>
+              <a:t>11/19/2016</a:t>
             </a:fld>
             <a:endParaRPr lang="en-US"/>
           </a:p>
@@ -1000,7 +1000,7 @@
           <a:p>
             <a:fld id="{9D9501FF-ABFD-4A20-9D6D-E502A59752B5}" type="datetimeFigureOut">
               <a:rPr lang="en-US" smtClean="0"/>
-              <a:t>11/18/2016</a:t>
+              <a:t>11/19/2016</a:t>
             </a:fld>
             <a:endParaRPr lang="en-US"/>
           </a:p>
@@ -1229,7 +1229,7 @@
           <a:p>
             <a:fld id="{9D9501FF-ABFD-4A20-9D6D-E502A59752B5}" type="datetimeFigureOut">
               <a:rPr lang="en-US" smtClean="0"/>
-              <a:t>11/18/2016</a:t>
+              <a:t>11/19/2016</a:t>
             </a:fld>
             <a:endParaRPr lang="en-US"/>
           </a:p>
@@ -1593,7 +1593,7 @@
           <a:p>
             <a:fld id="{9D9501FF-ABFD-4A20-9D6D-E502A59752B5}" type="datetimeFigureOut">
               <a:rPr lang="en-US" smtClean="0"/>
-              <a:t>11/18/2016</a:t>
+              <a:t>11/19/2016</a:t>
             </a:fld>
             <a:endParaRPr lang="en-US"/>
           </a:p>
@@ -1710,7 +1710,7 @@
           <a:p>
             <a:fld id="{9D9501FF-ABFD-4A20-9D6D-E502A59752B5}" type="datetimeFigureOut">
               <a:rPr lang="en-US" smtClean="0"/>
-              <a:t>11/18/2016</a:t>
+              <a:t>11/19/2016</a:t>
             </a:fld>
             <a:endParaRPr lang="en-US"/>
           </a:p>
@@ -1805,7 +1805,7 @@
           <a:p>
             <a:fld id="{9D9501FF-ABFD-4A20-9D6D-E502A59752B5}" type="datetimeFigureOut">
               <a:rPr lang="en-US" smtClean="0"/>
-              <a:t>11/18/2016</a:t>
+              <a:t>11/19/2016</a:t>
             </a:fld>
             <a:endParaRPr lang="en-US"/>
           </a:p>
@@ -2080,7 +2080,7 @@
           <a:p>
             <a:fld id="{9D9501FF-ABFD-4A20-9D6D-E502A59752B5}" type="datetimeFigureOut">
               <a:rPr lang="en-US" smtClean="0"/>
-              <a:t>11/18/2016</a:t>
+              <a:t>11/19/2016</a:t>
             </a:fld>
             <a:endParaRPr lang="en-US"/>
           </a:p>
@@ -2335,7 +2335,7 @@
           <a:p>
             <a:fld id="{9D9501FF-ABFD-4A20-9D6D-E502A59752B5}" type="datetimeFigureOut">
               <a:rPr lang="en-US" smtClean="0"/>
-              <a:t>11/18/2016</a:t>
+              <a:t>11/19/2016</a:t>
             </a:fld>
             <a:endParaRPr lang="en-US"/>
           </a:p>
@@ -2400,9 +2400,12 @@
 <p:sldMaster xmlns:a="http://schemas.openxmlformats.org/drawingml/2006/main" xmlns:r="http://schemas.openxmlformats.org/officeDocument/2006/relationships" xmlns:p="http://schemas.openxmlformats.org/presentationml/2006/main">
   <p:cSld>
     <p:bg>
-      <p:bgRef idx="1001">
-        <a:schemeClr val="bg1"/>
-      </p:bgRef>
+      <p:bgPr>
+        <a:solidFill>
+          <a:schemeClr val="bg1"/>
+        </a:solidFill>
+        <a:effectLst/>
+      </p:bgPr>
     </p:bg>
     <p:spTree>
       <p:nvGrpSpPr>
@@ -2546,7 +2549,7 @@
           <a:p>
             <a:fld id="{9D9501FF-ABFD-4A20-9D6D-E502A59752B5}" type="datetimeFigureOut">
               <a:rPr lang="en-US" smtClean="0"/>
-              <a:t>11/18/2016</a:t>
+              <a:t>11/19/2016</a:t>
             </a:fld>
             <a:endParaRPr lang="en-US"/>
           </a:p>
@@ -2937,14 +2940,6 @@
 <file path=ppt/slides/slide1.xml><?xml version="1.0" encoding="utf-8"?>
 <p:sld xmlns:a="http://schemas.openxmlformats.org/drawingml/2006/main" xmlns:r="http://schemas.openxmlformats.org/officeDocument/2006/relationships" xmlns:p="http://schemas.openxmlformats.org/presentationml/2006/main">
   <p:cSld>
-    <p:bg>
-      <p:bgPr>
-        <a:solidFill>
-          <a:srgbClr val="302E30"/>
-        </a:solidFill>
-        <a:effectLst/>
-      </p:bgPr>
-    </p:bg>
     <p:spTree>
       <p:nvGrpSpPr>
         <p:cNvPr id="1" name=""/>
